--- a/Design/screens.pptx
+++ b/Design/screens.pptx
@@ -5,9 +5,10 @@
     <p:sldMasterId id="2147483648" r:id="rId1"/>
   </p:sldMasterIdLst>
   <p:sldIdLst>
-    <p:sldId id="256" r:id="rId2"/>
-    <p:sldId id="257" r:id="rId3"/>
-    <p:sldId id="258" r:id="rId4"/>
+    <p:sldId id="259" r:id="rId2"/>
+    <p:sldId id="260" r:id="rId3"/>
+    <p:sldId id="257" r:id="rId4"/>
+    <p:sldId id="258" r:id="rId5"/>
   </p:sldIdLst>
   <p:sldSz cx="12192000" cy="6858000"/>
   <p:notesSz cx="6858000" cy="9144000"/>
@@ -272,7 +273,7 @@
           <a:p>
             <a:fld id="{2AEDAEE1-AF12-4DCB-A6CF-73EC3A9DA12D}" type="datetimeFigureOut">
               <a:rPr lang="en-US" smtClean="0"/>
-              <a:t>8/27/2020</a:t>
+              <a:t>8/28/2020</a:t>
             </a:fld>
             <a:endParaRPr lang="en-US"/>
           </a:p>
@@ -470,7 +471,7 @@
           <a:p>
             <a:fld id="{2AEDAEE1-AF12-4DCB-A6CF-73EC3A9DA12D}" type="datetimeFigureOut">
               <a:rPr lang="en-US" smtClean="0"/>
-              <a:t>8/27/2020</a:t>
+              <a:t>8/28/2020</a:t>
             </a:fld>
             <a:endParaRPr lang="en-US"/>
           </a:p>
@@ -678,7 +679,7 @@
           <a:p>
             <a:fld id="{2AEDAEE1-AF12-4DCB-A6CF-73EC3A9DA12D}" type="datetimeFigureOut">
               <a:rPr lang="en-US" smtClean="0"/>
-              <a:t>8/27/2020</a:t>
+              <a:t>8/28/2020</a:t>
             </a:fld>
             <a:endParaRPr lang="en-US"/>
           </a:p>
@@ -876,7 +877,7 @@
           <a:p>
             <a:fld id="{2AEDAEE1-AF12-4DCB-A6CF-73EC3A9DA12D}" type="datetimeFigureOut">
               <a:rPr lang="en-US" smtClean="0"/>
-              <a:t>8/27/2020</a:t>
+              <a:t>8/28/2020</a:t>
             </a:fld>
             <a:endParaRPr lang="en-US"/>
           </a:p>
@@ -1151,7 +1152,7 @@
           <a:p>
             <a:fld id="{2AEDAEE1-AF12-4DCB-A6CF-73EC3A9DA12D}" type="datetimeFigureOut">
               <a:rPr lang="en-US" smtClean="0"/>
-              <a:t>8/27/2020</a:t>
+              <a:t>8/28/2020</a:t>
             </a:fld>
             <a:endParaRPr lang="en-US"/>
           </a:p>
@@ -1416,7 +1417,7 @@
           <a:p>
             <a:fld id="{2AEDAEE1-AF12-4DCB-A6CF-73EC3A9DA12D}" type="datetimeFigureOut">
               <a:rPr lang="en-US" smtClean="0"/>
-              <a:t>8/27/2020</a:t>
+              <a:t>8/28/2020</a:t>
             </a:fld>
             <a:endParaRPr lang="en-US"/>
           </a:p>
@@ -1828,7 +1829,7 @@
           <a:p>
             <a:fld id="{2AEDAEE1-AF12-4DCB-A6CF-73EC3A9DA12D}" type="datetimeFigureOut">
               <a:rPr lang="en-US" smtClean="0"/>
-              <a:t>8/27/2020</a:t>
+              <a:t>8/28/2020</a:t>
             </a:fld>
             <a:endParaRPr lang="en-US"/>
           </a:p>
@@ -1969,7 +1970,7 @@
           <a:p>
             <a:fld id="{2AEDAEE1-AF12-4DCB-A6CF-73EC3A9DA12D}" type="datetimeFigureOut">
               <a:rPr lang="en-US" smtClean="0"/>
-              <a:t>8/27/2020</a:t>
+              <a:t>8/28/2020</a:t>
             </a:fld>
             <a:endParaRPr lang="en-US"/>
           </a:p>
@@ -2082,7 +2083,7 @@
           <a:p>
             <a:fld id="{2AEDAEE1-AF12-4DCB-A6CF-73EC3A9DA12D}" type="datetimeFigureOut">
               <a:rPr lang="en-US" smtClean="0"/>
-              <a:t>8/27/2020</a:t>
+              <a:t>8/28/2020</a:t>
             </a:fld>
             <a:endParaRPr lang="en-US"/>
           </a:p>
@@ -2393,7 +2394,7 @@
           <a:p>
             <a:fld id="{2AEDAEE1-AF12-4DCB-A6CF-73EC3A9DA12D}" type="datetimeFigureOut">
               <a:rPr lang="en-US" smtClean="0"/>
-              <a:t>8/27/2020</a:t>
+              <a:t>8/28/2020</a:t>
             </a:fld>
             <a:endParaRPr lang="en-US"/>
           </a:p>
@@ -2681,7 +2682,7 @@
           <a:p>
             <a:fld id="{2AEDAEE1-AF12-4DCB-A6CF-73EC3A9DA12D}" type="datetimeFigureOut">
               <a:rPr lang="en-US" smtClean="0"/>
-              <a:t>8/27/2020</a:t>
+              <a:t>8/28/2020</a:t>
             </a:fld>
             <a:endParaRPr lang="en-US"/>
           </a:p>
@@ -2922,7 +2923,7 @@
           <a:p>
             <a:fld id="{2AEDAEE1-AF12-4DCB-A6CF-73EC3A9DA12D}" type="datetimeFigureOut">
               <a:rPr lang="en-US" smtClean="0"/>
-              <a:t>8/27/2020</a:t>
+              <a:t>8/28/2020</a:t>
             </a:fld>
             <a:endParaRPr lang="en-US"/>
           </a:p>
@@ -3325,330 +3326,14 @@
 <file path=ppt/slides/slide1.xml><?xml version="1.0" encoding="utf-8"?>
 <p:sld xmlns:a="http://schemas.openxmlformats.org/drawingml/2006/main" xmlns:r="http://schemas.openxmlformats.org/officeDocument/2006/relationships" xmlns:p="http://schemas.openxmlformats.org/presentationml/2006/main">
   <p:cSld>
-    <p:spTree>
-      <p:nvGrpSpPr>
-        <p:cNvPr id="1" name=""/>
-        <p:cNvGrpSpPr/>
-        <p:nvPr/>
-      </p:nvGrpSpPr>
-      <p:grpSpPr>
-        <a:xfrm>
-          <a:off x="0" y="0"/>
-          <a:ext cx="0" cy="0"/>
-          <a:chOff x="0" y="0"/>
-          <a:chExt cx="0" cy="0"/>
-        </a:xfrm>
-      </p:grpSpPr>
-      <p:sp>
-        <p:nvSpPr>
-          <p:cNvPr id="7" name="TextBox 6">
-            <a:extLst>
-              <a:ext uri="{FF2B5EF4-FFF2-40B4-BE49-F238E27FC236}">
-                <a16:creationId xmlns:a16="http://schemas.microsoft.com/office/drawing/2014/main" id="{651B5F35-F9EC-42E8-8A54-5751E07E5EDE}"/>
-              </a:ext>
-            </a:extLst>
-          </p:cNvPr>
-          <p:cNvSpPr txBox="1"/>
-          <p:nvPr/>
-        </p:nvSpPr>
-        <p:spPr>
-          <a:xfrm>
-            <a:off x="1194317" y="4073438"/>
-            <a:ext cx="10179698" cy="1323439"/>
-          </a:xfrm>
-          <a:prstGeom prst="rect">
-            <a:avLst/>
-          </a:prstGeom>
-          <a:noFill/>
-        </p:spPr>
-        <p:txBody>
-          <a:bodyPr wrap="square" rtlCol="0">
-            <a:spAutoFit/>
-          </a:bodyPr>
-          <a:lstStyle/>
-          <a:p>
-            <a:pPr algn="ctr"/>
-            <a:r>
-              <a:rPr lang="en-US" sz="2000" dirty="0">
-                <a:effectLst/>
-                <a:latin typeface="Futura Bk BT" panose="020B0502020204020303" pitchFamily="34" charset="0"/>
-              </a:rPr>
-              <a:t>An oracle enabling Purchasing Power Parity on Ethereum to allow for a </a:t>
-            </a:r>
-          </a:p>
-          <a:p>
-            <a:pPr algn="ctr"/>
-            <a:r>
-              <a:rPr lang="en-US" sz="2000" dirty="0">
-                <a:effectLst/>
-                <a:latin typeface="Futura Bk BT" panose="020B0502020204020303" pitchFamily="34" charset="0"/>
-              </a:rPr>
-              <a:t>more equitable and dynamic pricing of products allowing you to </a:t>
-            </a:r>
-          </a:p>
-          <a:p>
-            <a:pPr algn="ctr"/>
-            <a:r>
-              <a:rPr lang="en-US" sz="2000" dirty="0">
-                <a:effectLst/>
-                <a:latin typeface="Futura Bk BT" panose="020B0502020204020303" pitchFamily="34" charset="0"/>
-              </a:rPr>
-              <a:t>send and receive payments normalized to the </a:t>
-            </a:r>
-          </a:p>
-          <a:p>
-            <a:pPr algn="ctr"/>
-            <a:r>
-              <a:rPr lang="en-US" sz="2000" dirty="0">
-                <a:effectLst/>
-                <a:latin typeface="Futura Bk BT" panose="020B0502020204020303" pitchFamily="34" charset="0"/>
-              </a:rPr>
-              <a:t>geolocation of the users.</a:t>
-            </a:r>
-          </a:p>
-        </p:txBody>
-      </p:sp>
-      <p:grpSp>
-        <p:nvGrpSpPr>
-          <p:cNvPr id="10" name="Group 9">
-            <a:extLst>
-              <a:ext uri="{FF2B5EF4-FFF2-40B4-BE49-F238E27FC236}">
-                <a16:creationId xmlns:a16="http://schemas.microsoft.com/office/drawing/2014/main" id="{C232105B-53D6-4A3B-A135-3FCAE0BE95CC}"/>
-              </a:ext>
-            </a:extLst>
-          </p:cNvPr>
-          <p:cNvGrpSpPr/>
-          <p:nvPr/>
-        </p:nvGrpSpPr>
-        <p:grpSpPr>
-          <a:xfrm>
-            <a:off x="2954692" y="1308017"/>
-            <a:ext cx="6282615" cy="2528338"/>
-            <a:chOff x="2954693" y="1503960"/>
-            <a:chExt cx="6282615" cy="2528338"/>
-          </a:xfrm>
-        </p:grpSpPr>
-        <p:pic>
-          <p:nvPicPr>
-            <p:cNvPr id="9" name="Picture 8" descr="A picture containing scale, device, light, night&#10;&#10;Description automatically generated">
-              <a:extLst>
-                <a:ext uri="{FF2B5EF4-FFF2-40B4-BE49-F238E27FC236}">
-                  <a16:creationId xmlns:a16="http://schemas.microsoft.com/office/drawing/2014/main" id="{3CDDCCA1-B12A-4F9D-888B-F95790262297}"/>
-                </a:ext>
-              </a:extLst>
-            </p:cNvPr>
-            <p:cNvPicPr>
-              <a:picLocks noChangeAspect="1"/>
-            </p:cNvPicPr>
-            <p:nvPr/>
-          </p:nvPicPr>
-          <p:blipFill>
-            <a:blip r:embed="rId2">
-              <a:extLst>
-                <a:ext uri="{28A0092B-C50C-407E-A947-70E740481C1C}">
-                  <a14:useLocalDpi xmlns:a14="http://schemas.microsoft.com/office/drawing/2010/main" val="0"/>
-                </a:ext>
-              </a:extLst>
-            </a:blip>
-            <a:stretch>
-              <a:fillRect/>
-            </a:stretch>
-          </p:blipFill>
-          <p:spPr>
-            <a:xfrm>
-              <a:off x="2954693" y="1503960"/>
-              <a:ext cx="2425958" cy="2425958"/>
-            </a:xfrm>
-            <a:prstGeom prst="rect">
-              <a:avLst/>
-            </a:prstGeom>
-          </p:spPr>
-        </p:pic>
-        <p:sp>
-          <p:nvSpPr>
-            <p:cNvPr id="5" name="TextBox 4">
-              <a:extLst>
-                <a:ext uri="{FF2B5EF4-FFF2-40B4-BE49-F238E27FC236}">
-                  <a16:creationId xmlns:a16="http://schemas.microsoft.com/office/drawing/2014/main" id="{FBB1D391-14D3-4792-8FDC-1AAA09CF192D}"/>
-                </a:ext>
-              </a:extLst>
-            </p:cNvPr>
-            <p:cNvSpPr txBox="1"/>
-            <p:nvPr/>
-          </p:nvSpPr>
-          <p:spPr>
-            <a:xfrm>
-              <a:off x="3673976" y="2170250"/>
-              <a:ext cx="5563332" cy="1862048"/>
-            </a:xfrm>
-            <a:prstGeom prst="rect">
-              <a:avLst/>
-            </a:prstGeom>
-            <a:noFill/>
-          </p:spPr>
-          <p:txBody>
-            <a:bodyPr wrap="square" rtlCol="0">
-              <a:spAutoFit/>
-            </a:bodyPr>
-            <a:lstStyle/>
-            <a:p>
-              <a:r>
-                <a:rPr lang="en-US" sz="11500" dirty="0">
-                  <a:latin typeface="Futura-Bold" pitchFamily="2" charset="0"/>
-                  <a:ea typeface="Futura-Black" panose="02020500000000000000" pitchFamily="18" charset="0"/>
-                  <a:cs typeface="Futura-Black" panose="02020500000000000000" pitchFamily="18" charset="0"/>
-                </a:rPr>
-                <a:t>Themis</a:t>
-              </a:r>
-            </a:p>
-          </p:txBody>
-        </p:sp>
-      </p:grpSp>
-      <p:cxnSp>
-        <p:nvCxnSpPr>
-          <p:cNvPr id="12" name="Straight Connector 11">
-            <a:extLst>
-              <a:ext uri="{FF2B5EF4-FFF2-40B4-BE49-F238E27FC236}">
-                <a16:creationId xmlns:a16="http://schemas.microsoft.com/office/drawing/2014/main" id="{971C3191-DB1B-407C-BE0F-A228A9FA642C}"/>
-              </a:ext>
-            </a:extLst>
-          </p:cNvPr>
-          <p:cNvCxnSpPr/>
-          <p:nvPr/>
-        </p:nvCxnSpPr>
-        <p:spPr>
-          <a:xfrm>
-            <a:off x="1020146" y="643812"/>
-            <a:ext cx="10151707" cy="0"/>
-          </a:xfrm>
-          <a:prstGeom prst="line">
-            <a:avLst/>
-          </a:prstGeom>
-          <a:ln>
-            <a:solidFill>
-              <a:schemeClr val="tx1"/>
-            </a:solidFill>
-          </a:ln>
-        </p:spPr>
-        <p:style>
-          <a:lnRef idx="1">
-            <a:schemeClr val="accent1"/>
-          </a:lnRef>
-          <a:fillRef idx="0">
-            <a:schemeClr val="accent1"/>
-          </a:fillRef>
-          <a:effectRef idx="0">
-            <a:schemeClr val="accent1"/>
-          </a:effectRef>
-          <a:fontRef idx="minor">
-            <a:schemeClr val="tx1"/>
-          </a:fontRef>
-        </p:style>
-      </p:cxnSp>
-      <p:cxnSp>
-        <p:nvCxnSpPr>
-          <p:cNvPr id="14" name="Straight Connector 13">
-            <a:extLst>
-              <a:ext uri="{FF2B5EF4-FFF2-40B4-BE49-F238E27FC236}">
-                <a16:creationId xmlns:a16="http://schemas.microsoft.com/office/drawing/2014/main" id="{4866B40D-E44E-4009-8A9C-79A0D60B7FD9}"/>
-              </a:ext>
-            </a:extLst>
-          </p:cNvPr>
-          <p:cNvCxnSpPr>
-            <a:cxnSpLocks/>
-          </p:cNvCxnSpPr>
-          <p:nvPr/>
-        </p:nvCxnSpPr>
-        <p:spPr>
-          <a:xfrm>
-            <a:off x="1020146" y="6151983"/>
-            <a:ext cx="10151707" cy="0"/>
-          </a:xfrm>
-          <a:prstGeom prst="line">
-            <a:avLst/>
-          </a:prstGeom>
-          <a:ln>
-            <a:solidFill>
-              <a:schemeClr val="tx1"/>
-            </a:solidFill>
-          </a:ln>
-        </p:spPr>
-        <p:style>
-          <a:lnRef idx="1">
-            <a:schemeClr val="accent1"/>
-          </a:lnRef>
-          <a:fillRef idx="0">
-            <a:schemeClr val="accent1"/>
-          </a:fillRef>
-          <a:effectRef idx="0">
-            <a:schemeClr val="accent1"/>
-          </a:effectRef>
-          <a:fontRef idx="minor">
-            <a:schemeClr val="tx1"/>
-          </a:fontRef>
-        </p:style>
-      </p:cxnSp>
-      <p:sp>
-        <p:nvSpPr>
-          <p:cNvPr id="16" name="TextBox 15">
-            <a:extLst>
-              <a:ext uri="{FF2B5EF4-FFF2-40B4-BE49-F238E27FC236}">
-                <a16:creationId xmlns:a16="http://schemas.microsoft.com/office/drawing/2014/main" id="{5ED18664-F9DA-4368-8078-CBC98B76A1E8}"/>
-              </a:ext>
-            </a:extLst>
-          </p:cNvPr>
-          <p:cNvSpPr txBox="1"/>
-          <p:nvPr/>
-        </p:nvSpPr>
-        <p:spPr>
-          <a:xfrm>
-            <a:off x="3314333" y="6304493"/>
-            <a:ext cx="5563332" cy="369332"/>
-          </a:xfrm>
-          <a:prstGeom prst="rect">
-            <a:avLst/>
-          </a:prstGeom>
-          <a:noFill/>
-        </p:spPr>
-        <p:txBody>
-          <a:bodyPr wrap="square" rtlCol="0">
-            <a:spAutoFit/>
-          </a:bodyPr>
-          <a:lstStyle/>
-          <a:p>
-            <a:pPr algn="ctr"/>
-            <a:r>
-              <a:rPr lang="en-US" dirty="0" err="1">
-                <a:latin typeface="Futura-Bold" pitchFamily="2" charset="0"/>
-                <a:ea typeface="Futura-Black" panose="02020500000000000000" pitchFamily="18" charset="0"/>
-                <a:cs typeface="Futura-Black" panose="02020500000000000000" pitchFamily="18" charset="0"/>
-              </a:rPr>
-              <a:t>themis.anudit.dev</a:t>
-            </a:r>
-            <a:endParaRPr lang="en-US" dirty="0">
-              <a:latin typeface="Futura-Bold" pitchFamily="2" charset="0"/>
-              <a:ea typeface="Futura-Black" panose="02020500000000000000" pitchFamily="18" charset="0"/>
-              <a:cs typeface="Futura-Black" panose="02020500000000000000" pitchFamily="18" charset="0"/>
-            </a:endParaRPr>
-          </a:p>
-        </p:txBody>
-      </p:sp>
-    </p:spTree>
-    <p:extLst>
-      <p:ext uri="{BB962C8B-B14F-4D97-AF65-F5344CB8AC3E}">
-        <p14:creationId xmlns:p14="http://schemas.microsoft.com/office/powerpoint/2010/main" val="1007211453"/>
-      </p:ext>
-    </p:extLst>
-  </p:cSld>
-  <p:clrMapOvr>
-    <a:masterClrMapping/>
-  </p:clrMapOvr>
-</p:sld>
-</file>
-
-<file path=ppt/slides/slide2.xml><?xml version="1.0" encoding="utf-8"?>
-<p:sld xmlns:a="http://schemas.openxmlformats.org/drawingml/2006/main" xmlns:r="http://schemas.openxmlformats.org/officeDocument/2006/relationships" xmlns:p="http://schemas.openxmlformats.org/presentationml/2006/main">
-  <p:cSld>
+    <p:bg>
+      <p:bgPr>
+        <a:solidFill>
+          <a:srgbClr val="0000FF"/>
+        </a:solidFill>
+        <a:effectLst/>
+      </p:bgPr>
+    </p:bg>
     <p:spTree>
       <p:nvGrpSpPr>
         <p:cNvPr id="1" name=""/>
@@ -3665,10 +3350,10 @@
       </p:grpSpPr>
       <p:pic>
         <p:nvPicPr>
-          <p:cNvPr id="5" name="Picture 4">
-            <a:extLst>
-              <a:ext uri="{FF2B5EF4-FFF2-40B4-BE49-F238E27FC236}">
-                <a16:creationId xmlns:a16="http://schemas.microsoft.com/office/drawing/2014/main" id="{9D99D891-76E3-49AB-92A2-BCAF22A8DE72}"/>
+          <p:cNvPr id="19" name="Picture 18">
+            <a:extLst>
+              <a:ext uri="{FF2B5EF4-FFF2-40B4-BE49-F238E27FC236}">
+                <a16:creationId xmlns:a16="http://schemas.microsoft.com/office/drawing/2014/main" id="{24DACDC2-8440-4D52-8C08-FC26345D3831}"/>
               </a:ext>
             </a:extLst>
           </p:cNvPr>
@@ -3686,7 +3371,600 @@
         <p:spPr>
           <a:xfrm>
             <a:off x="0" y="0"/>
-            <a:ext cx="12192000" cy="6858000"/>
+            <a:ext cx="6858000" cy="6858000"/>
+          </a:xfrm>
+          <a:prstGeom prst="rect">
+            <a:avLst/>
+          </a:prstGeom>
+        </p:spPr>
+      </p:pic>
+      <p:pic>
+        <p:nvPicPr>
+          <p:cNvPr id="14" name="Picture 13">
+            <a:extLst>
+              <a:ext uri="{FF2B5EF4-FFF2-40B4-BE49-F238E27FC236}">
+                <a16:creationId xmlns:a16="http://schemas.microsoft.com/office/drawing/2014/main" id="{0D7F6DF2-6B51-468B-937D-E92C4E8E0733}"/>
+              </a:ext>
+            </a:extLst>
+          </p:cNvPr>
+          <p:cNvPicPr>
+            <a:picLocks noChangeAspect="1"/>
+          </p:cNvPicPr>
+          <p:nvPr/>
+        </p:nvPicPr>
+        <p:blipFill>
+          <a:blip r:embed="rId3">
+            <a:alphaModFix amt="51000"/>
+          </a:blip>
+          <a:stretch>
+            <a:fillRect/>
+          </a:stretch>
+        </p:blipFill>
+        <p:spPr>
+          <a:xfrm>
+            <a:off x="415270" y="133048"/>
+            <a:ext cx="6442730" cy="6442730"/>
+          </a:xfrm>
+          <a:prstGeom prst="rect">
+            <a:avLst/>
+          </a:prstGeom>
+        </p:spPr>
+      </p:pic>
+      <p:sp>
+        <p:nvSpPr>
+          <p:cNvPr id="21" name="TextBox 20">
+            <a:extLst>
+              <a:ext uri="{FF2B5EF4-FFF2-40B4-BE49-F238E27FC236}">
+                <a16:creationId xmlns:a16="http://schemas.microsoft.com/office/drawing/2014/main" id="{7AB14E6D-E0D5-497A-8133-8B8A57EF4E5F}"/>
+              </a:ext>
+            </a:extLst>
+          </p:cNvPr>
+          <p:cNvSpPr txBox="1"/>
+          <p:nvPr/>
+        </p:nvSpPr>
+        <p:spPr>
+          <a:xfrm>
+            <a:off x="3429000" y="2336260"/>
+            <a:ext cx="5563332" cy="1862048"/>
+          </a:xfrm>
+          <a:prstGeom prst="rect">
+            <a:avLst/>
+          </a:prstGeom>
+          <a:noFill/>
+        </p:spPr>
+        <p:txBody>
+          <a:bodyPr wrap="square" rtlCol="0">
+            <a:spAutoFit/>
+          </a:bodyPr>
+          <a:lstStyle/>
+          <a:p>
+            <a:r>
+              <a:rPr lang="en-US" sz="11500" dirty="0">
+                <a:solidFill>
+                  <a:schemeClr val="bg1"/>
+                </a:solidFill>
+                <a:latin typeface="Futura" panose="02020800000000000000" pitchFamily="18" charset="0"/>
+                <a:ea typeface="Futura" panose="02020800000000000000" pitchFamily="18" charset="0"/>
+                <a:cs typeface="Futura" panose="02020800000000000000" pitchFamily="18" charset="0"/>
+              </a:rPr>
+              <a:t>Themis</a:t>
+            </a:r>
+          </a:p>
+        </p:txBody>
+      </p:sp>
+      <p:sp>
+        <p:nvSpPr>
+          <p:cNvPr id="23" name="TextBox 22">
+            <a:extLst>
+              <a:ext uri="{FF2B5EF4-FFF2-40B4-BE49-F238E27FC236}">
+                <a16:creationId xmlns:a16="http://schemas.microsoft.com/office/drawing/2014/main" id="{F39A7B10-094B-4E0D-9FD4-40429EF667ED}"/>
+              </a:ext>
+            </a:extLst>
+          </p:cNvPr>
+          <p:cNvSpPr txBox="1"/>
+          <p:nvPr/>
+        </p:nvSpPr>
+        <p:spPr>
+          <a:xfrm>
+            <a:off x="3636635" y="3962024"/>
+            <a:ext cx="5355697" cy="369332"/>
+          </a:xfrm>
+          <a:prstGeom prst="rect">
+            <a:avLst/>
+          </a:prstGeom>
+          <a:noFill/>
+        </p:spPr>
+        <p:txBody>
+          <a:bodyPr wrap="square">
+            <a:spAutoFit/>
+          </a:bodyPr>
+          <a:lstStyle/>
+          <a:p>
+            <a:r>
+              <a:rPr lang="en-US" sz="1800" dirty="0">
+                <a:solidFill>
+                  <a:schemeClr val="bg1"/>
+                </a:solidFill>
+                <a:effectLst/>
+                <a:latin typeface="Segoe UI" panose="020B0502040204020203" pitchFamily="34" charset="0"/>
+                <a:ea typeface="Futura" panose="02020800000000000000" pitchFamily="18" charset="0"/>
+                <a:cs typeface="Segoe UI" panose="020B0502040204020203" pitchFamily="34" charset="0"/>
+              </a:rPr>
+              <a:t>A Purchasing Power Parity Oracle</a:t>
+            </a:r>
+            <a:endParaRPr lang="en-US" dirty="0">
+              <a:solidFill>
+                <a:schemeClr val="bg1"/>
+              </a:solidFill>
+              <a:latin typeface="Segoe UI" panose="020B0502040204020203" pitchFamily="34" charset="0"/>
+              <a:ea typeface="Futura" panose="02020800000000000000" pitchFamily="18" charset="0"/>
+              <a:cs typeface="Segoe UI" panose="020B0502040204020203" pitchFamily="34" charset="0"/>
+            </a:endParaRPr>
+          </a:p>
+        </p:txBody>
+      </p:sp>
+    </p:spTree>
+    <p:extLst>
+      <p:ext uri="{BB962C8B-B14F-4D97-AF65-F5344CB8AC3E}">
+        <p14:creationId xmlns:p14="http://schemas.microsoft.com/office/powerpoint/2010/main" val="1759750324"/>
+      </p:ext>
+    </p:extLst>
+  </p:cSld>
+  <p:clrMapOvr>
+    <a:masterClrMapping/>
+  </p:clrMapOvr>
+</p:sld>
+</file>
+
+<file path=ppt/slides/slide2.xml><?xml version="1.0" encoding="utf-8"?>
+<p:sld xmlns:a="http://schemas.openxmlformats.org/drawingml/2006/main" xmlns:r="http://schemas.openxmlformats.org/officeDocument/2006/relationships" xmlns:p="http://schemas.openxmlformats.org/presentationml/2006/main">
+  <p:cSld>
+    <p:bg>
+      <p:bgPr>
+        <a:solidFill>
+          <a:srgbClr val="0000FF"/>
+        </a:solidFill>
+        <a:effectLst/>
+      </p:bgPr>
+    </p:bg>
+    <p:spTree>
+      <p:nvGrpSpPr>
+        <p:cNvPr id="1" name=""/>
+        <p:cNvGrpSpPr/>
+        <p:nvPr/>
+      </p:nvGrpSpPr>
+      <p:grpSpPr>
+        <a:xfrm>
+          <a:off x="0" y="0"/>
+          <a:ext cx="0" cy="0"/>
+          <a:chOff x="0" y="0"/>
+          <a:chExt cx="0" cy="0"/>
+        </a:xfrm>
+      </p:grpSpPr>
+      <p:pic>
+        <p:nvPicPr>
+          <p:cNvPr id="36" name="Picture 35">
+            <a:extLst>
+              <a:ext uri="{FF2B5EF4-FFF2-40B4-BE49-F238E27FC236}">
+                <a16:creationId xmlns:a16="http://schemas.microsoft.com/office/drawing/2014/main" id="{96B46BCF-3824-41FA-995B-FAB8D6E11621}"/>
+              </a:ext>
+            </a:extLst>
+          </p:cNvPr>
+          <p:cNvPicPr>
+            <a:picLocks noChangeAspect="1"/>
+          </p:cNvPicPr>
+          <p:nvPr/>
+        </p:nvPicPr>
+        <p:blipFill>
+          <a:blip r:embed="rId2"/>
+          <a:stretch>
+            <a:fillRect/>
+          </a:stretch>
+        </p:blipFill>
+        <p:spPr>
+          <a:xfrm rot="10644881">
+            <a:off x="8699707" y="3352718"/>
+            <a:ext cx="4303587" cy="4303587"/>
+          </a:xfrm>
+          <a:prstGeom prst="rect">
+            <a:avLst/>
+          </a:prstGeom>
+        </p:spPr>
+      </p:pic>
+      <p:sp>
+        <p:nvSpPr>
+          <p:cNvPr id="24" name="TextBox 23">
+            <a:extLst>
+              <a:ext uri="{FF2B5EF4-FFF2-40B4-BE49-F238E27FC236}">
+                <a16:creationId xmlns:a16="http://schemas.microsoft.com/office/drawing/2014/main" id="{97BFF318-22AE-4C12-AE1B-475826E377CE}"/>
+              </a:ext>
+            </a:extLst>
+          </p:cNvPr>
+          <p:cNvSpPr txBox="1"/>
+          <p:nvPr/>
+        </p:nvSpPr>
+        <p:spPr>
+          <a:xfrm>
+            <a:off x="727786" y="435739"/>
+            <a:ext cx="10123715" cy="707886"/>
+          </a:xfrm>
+          <a:prstGeom prst="rect">
+            <a:avLst/>
+          </a:prstGeom>
+          <a:noFill/>
+        </p:spPr>
+        <p:txBody>
+          <a:bodyPr wrap="square" rtlCol="0">
+            <a:spAutoFit/>
+          </a:bodyPr>
+          <a:lstStyle/>
+          <a:p>
+            <a:r>
+              <a:rPr lang="en-US" sz="4000" dirty="0">
+                <a:solidFill>
+                  <a:schemeClr val="bg1"/>
+                </a:solidFill>
+                <a:effectLst/>
+                <a:latin typeface="Consolas" panose="020B0609020204030204" pitchFamily="49" charset="0"/>
+              </a:rPr>
+              <a:t>About Themis_</a:t>
+            </a:r>
+          </a:p>
+        </p:txBody>
+      </p:sp>
+      <p:sp>
+        <p:nvSpPr>
+          <p:cNvPr id="26" name="TextBox 25">
+            <a:extLst>
+              <a:ext uri="{FF2B5EF4-FFF2-40B4-BE49-F238E27FC236}">
+                <a16:creationId xmlns:a16="http://schemas.microsoft.com/office/drawing/2014/main" id="{F7BC2C70-1FFF-4410-8BC4-90D2E6C76FAF}"/>
+              </a:ext>
+            </a:extLst>
+          </p:cNvPr>
+          <p:cNvSpPr txBox="1"/>
+          <p:nvPr/>
+        </p:nvSpPr>
+        <p:spPr>
+          <a:xfrm>
+            <a:off x="1278292" y="3272638"/>
+            <a:ext cx="10498497" cy="954107"/>
+          </a:xfrm>
+          <a:prstGeom prst="rect">
+            <a:avLst/>
+          </a:prstGeom>
+          <a:noFill/>
+        </p:spPr>
+        <p:txBody>
+          <a:bodyPr wrap="square" rtlCol="0">
+            <a:spAutoFit/>
+          </a:bodyPr>
+          <a:lstStyle/>
+          <a:p>
+            <a:r>
+              <a:rPr lang="en-US" sz="2800" dirty="0">
+                <a:solidFill>
+                  <a:schemeClr val="bg1"/>
+                </a:solidFill>
+                <a:effectLst/>
+                <a:latin typeface="Consolas" panose="020B0609020204030204" pitchFamily="49" charset="0"/>
+              </a:rPr>
+              <a:t>Themis can be used to send and receive payments </a:t>
+            </a:r>
+          </a:p>
+          <a:p>
+            <a:r>
+              <a:rPr lang="en-US" sz="2800" dirty="0">
+                <a:solidFill>
+                  <a:schemeClr val="bg1"/>
+                </a:solidFill>
+                <a:effectLst/>
+                <a:latin typeface="Consolas" panose="020B0609020204030204" pitchFamily="49" charset="0"/>
+              </a:rPr>
+              <a:t>normalized to the geolocation of the users.</a:t>
+            </a:r>
+          </a:p>
+        </p:txBody>
+      </p:sp>
+      <p:sp>
+        <p:nvSpPr>
+          <p:cNvPr id="28" name="TextBox 27">
+            <a:extLst>
+              <a:ext uri="{FF2B5EF4-FFF2-40B4-BE49-F238E27FC236}">
+                <a16:creationId xmlns:a16="http://schemas.microsoft.com/office/drawing/2014/main" id="{2F61CA8E-EF8F-49D7-8096-F2EE3773260C}"/>
+              </a:ext>
+            </a:extLst>
+          </p:cNvPr>
+          <p:cNvSpPr txBox="1"/>
+          <p:nvPr/>
+        </p:nvSpPr>
+        <p:spPr>
+          <a:xfrm>
+            <a:off x="1278293" y="4513563"/>
+            <a:ext cx="10498496" cy="1384995"/>
+          </a:xfrm>
+          <a:prstGeom prst="rect">
+            <a:avLst/>
+          </a:prstGeom>
+          <a:noFill/>
+        </p:spPr>
+        <p:txBody>
+          <a:bodyPr wrap="square" rtlCol="0">
+            <a:spAutoFit/>
+          </a:bodyPr>
+          <a:lstStyle/>
+          <a:p>
+            <a:r>
+              <a:rPr lang="en-US" sz="2800" dirty="0">
+                <a:solidFill>
+                  <a:schemeClr val="bg1"/>
+                </a:solidFill>
+                <a:effectLst/>
+                <a:latin typeface="Consolas" panose="020B0609020204030204" pitchFamily="49" charset="0"/>
+              </a:rPr>
+              <a:t>Smart Contracts can be integrated directly </a:t>
+            </a:r>
+            <a:r>
+              <a:rPr lang="en-US" sz="2800" dirty="0">
+                <a:solidFill>
+                  <a:schemeClr val="bg1"/>
+                </a:solidFill>
+                <a:latin typeface="Consolas" panose="020B0609020204030204" pitchFamily="49" charset="0"/>
+              </a:rPr>
+              <a:t>with Themis to better distribute funds and rewards to communities globally.</a:t>
+            </a:r>
+            <a:endParaRPr lang="en-US" sz="2800" dirty="0">
+              <a:solidFill>
+                <a:schemeClr val="bg1"/>
+              </a:solidFill>
+              <a:effectLst/>
+              <a:latin typeface="Consolas" panose="020B0609020204030204" pitchFamily="49" charset="0"/>
+            </a:endParaRPr>
+          </a:p>
+        </p:txBody>
+      </p:sp>
+      <p:sp>
+        <p:nvSpPr>
+          <p:cNvPr id="32" name="TextBox 31">
+            <a:extLst>
+              <a:ext uri="{FF2B5EF4-FFF2-40B4-BE49-F238E27FC236}">
+                <a16:creationId xmlns:a16="http://schemas.microsoft.com/office/drawing/2014/main" id="{8742A0E9-B467-4B5D-9042-9C8F062CF223}"/>
+              </a:ext>
+            </a:extLst>
+          </p:cNvPr>
+          <p:cNvSpPr txBox="1"/>
+          <p:nvPr/>
+        </p:nvSpPr>
+        <p:spPr>
+          <a:xfrm>
+            <a:off x="1278291" y="1604275"/>
+            <a:ext cx="10498495" cy="1384995"/>
+          </a:xfrm>
+          <a:prstGeom prst="rect">
+            <a:avLst/>
+          </a:prstGeom>
+          <a:noFill/>
+        </p:spPr>
+        <p:txBody>
+          <a:bodyPr wrap="square">
+            <a:spAutoFit/>
+          </a:bodyPr>
+          <a:lstStyle/>
+          <a:p>
+            <a:r>
+              <a:rPr lang="en-US" sz="2800" dirty="0">
+                <a:solidFill>
+                  <a:schemeClr val="bg1"/>
+                </a:solidFill>
+                <a:latin typeface="Consolas" panose="020B0609020204030204" pitchFamily="49" charset="0"/>
+              </a:rPr>
+              <a:t>An oracle enabling Purchasing Power Parity on </a:t>
+            </a:r>
+          </a:p>
+          <a:p>
+            <a:r>
+              <a:rPr lang="en-US" sz="2800" dirty="0">
+                <a:solidFill>
+                  <a:schemeClr val="bg1"/>
+                </a:solidFill>
+                <a:latin typeface="Consolas" panose="020B0609020204030204" pitchFamily="49" charset="0"/>
+              </a:rPr>
+              <a:t>Ethereum to allow for a more equitable and </a:t>
+            </a:r>
+          </a:p>
+          <a:p>
+            <a:r>
+              <a:rPr lang="en-US" sz="2800" dirty="0">
+                <a:solidFill>
+                  <a:schemeClr val="bg1"/>
+                </a:solidFill>
+                <a:latin typeface="Consolas" panose="020B0609020204030204" pitchFamily="49" charset="0"/>
+              </a:rPr>
+              <a:t>dynamic pricing of products.</a:t>
+            </a:r>
+          </a:p>
+        </p:txBody>
+      </p:sp>
+    </p:spTree>
+    <p:extLst>
+      <p:ext uri="{BB962C8B-B14F-4D97-AF65-F5344CB8AC3E}">
+        <p14:creationId xmlns:p14="http://schemas.microsoft.com/office/powerpoint/2010/main" val="421257612"/>
+      </p:ext>
+    </p:extLst>
+  </p:cSld>
+  <p:clrMapOvr>
+    <a:masterClrMapping/>
+  </p:clrMapOvr>
+</p:sld>
+</file>
+
+<file path=ppt/slides/slide3.xml><?xml version="1.0" encoding="utf-8"?>
+<p:sld xmlns:a="http://schemas.openxmlformats.org/drawingml/2006/main" xmlns:r="http://schemas.openxmlformats.org/officeDocument/2006/relationships" xmlns:p="http://schemas.openxmlformats.org/presentationml/2006/main">
+  <p:cSld>
+    <p:bg>
+      <p:bgPr>
+        <a:solidFill>
+          <a:schemeClr val="tx1"/>
+        </a:solidFill>
+        <a:effectLst/>
+      </p:bgPr>
+    </p:bg>
+    <p:spTree>
+      <p:nvGrpSpPr>
+        <p:cNvPr id="1" name=""/>
+        <p:cNvGrpSpPr/>
+        <p:nvPr/>
+      </p:nvGrpSpPr>
+      <p:grpSpPr>
+        <a:xfrm>
+          <a:off x="0" y="0"/>
+          <a:ext cx="0" cy="0"/>
+          <a:chOff x="0" y="0"/>
+          <a:chExt cx="0" cy="0"/>
+        </a:xfrm>
+      </p:grpSpPr>
+      <p:sp>
+        <p:nvSpPr>
+          <p:cNvPr id="7" name="Oval 6">
+            <a:extLst>
+              <a:ext uri="{FF2B5EF4-FFF2-40B4-BE49-F238E27FC236}">
+                <a16:creationId xmlns:a16="http://schemas.microsoft.com/office/drawing/2014/main" id="{037930FE-7E9D-4F03-9819-2EE87742327B}"/>
+              </a:ext>
+            </a:extLst>
+          </p:cNvPr>
+          <p:cNvSpPr/>
+          <p:nvPr/>
+        </p:nvSpPr>
+        <p:spPr>
+          <a:xfrm>
+            <a:off x="449099" y="1532448"/>
+            <a:ext cx="3892359" cy="3972614"/>
+          </a:xfrm>
+          <a:prstGeom prst="ellipse">
+            <a:avLst/>
+          </a:prstGeom>
+          <a:gradFill>
+            <a:gsLst>
+              <a:gs pos="69000">
+                <a:schemeClr val="tx1"/>
+              </a:gs>
+              <a:gs pos="19000">
+                <a:schemeClr val="bg1"/>
+              </a:gs>
+            </a:gsLst>
+            <a:path path="circle">
+              <a:fillToRect r="100000" b="100000"/>
+            </a:path>
+          </a:gradFill>
+          <a:ln>
+            <a:noFill/>
+          </a:ln>
+        </p:spPr>
+        <p:style>
+          <a:lnRef idx="2">
+            <a:schemeClr val="accent1">
+              <a:shade val="50000"/>
+            </a:schemeClr>
+          </a:lnRef>
+          <a:fillRef idx="1">
+            <a:schemeClr val="accent1"/>
+          </a:fillRef>
+          <a:effectRef idx="0">
+            <a:schemeClr val="accent1"/>
+          </a:effectRef>
+          <a:fontRef idx="minor">
+            <a:schemeClr val="lt1"/>
+          </a:fontRef>
+        </p:style>
+        <p:txBody>
+          <a:bodyPr rtlCol="0" anchor="ctr"/>
+          <a:lstStyle/>
+          <a:p>
+            <a:pPr algn="ctr"/>
+            <a:endParaRPr lang="en-US"/>
+          </a:p>
+        </p:txBody>
+      </p:sp>
+      <p:sp>
+        <p:nvSpPr>
+          <p:cNvPr id="2" name="TextBox 1">
+            <a:extLst>
+              <a:ext uri="{FF2B5EF4-FFF2-40B4-BE49-F238E27FC236}">
+                <a16:creationId xmlns:a16="http://schemas.microsoft.com/office/drawing/2014/main" id="{039E1D61-CA2F-4DFF-B27E-CC04A1B5923E}"/>
+              </a:ext>
+            </a:extLst>
+          </p:cNvPr>
+          <p:cNvSpPr txBox="1"/>
+          <p:nvPr/>
+        </p:nvSpPr>
+        <p:spPr>
+          <a:xfrm>
+            <a:off x="1833577" y="2767280"/>
+            <a:ext cx="4603104" cy="1323439"/>
+          </a:xfrm>
+          <a:prstGeom prst="rect">
+            <a:avLst/>
+          </a:prstGeom>
+          <a:noFill/>
+        </p:spPr>
+        <p:txBody>
+          <a:bodyPr wrap="square" rtlCol="0">
+            <a:spAutoFit/>
+          </a:bodyPr>
+          <a:lstStyle/>
+          <a:p>
+            <a:r>
+              <a:rPr lang="en-US" sz="4000" dirty="0">
+                <a:solidFill>
+                  <a:schemeClr val="bg1"/>
+                </a:solidFill>
+                <a:effectLst/>
+                <a:latin typeface="Avenir Next LT Pro" panose="020B0504020202020204" pitchFamily="34" charset="0"/>
+                <a:ea typeface="Futura" panose="02020800000000000000" pitchFamily="18" charset="0"/>
+                <a:cs typeface="Futura" panose="02020800000000000000" pitchFamily="18" charset="0"/>
+              </a:rPr>
+              <a:t>Create dynamic </a:t>
+            </a:r>
+          </a:p>
+          <a:p>
+            <a:r>
+              <a:rPr lang="en-US" sz="4000" dirty="0">
+                <a:solidFill>
+                  <a:schemeClr val="bg1"/>
+                </a:solidFill>
+                <a:effectLst/>
+                <a:latin typeface="Avenir Next LT Pro" panose="020B0504020202020204" pitchFamily="34" charset="0"/>
+                <a:ea typeface="Futura" panose="02020800000000000000" pitchFamily="18" charset="0"/>
+                <a:cs typeface="Futura" panose="02020800000000000000" pitchFamily="18" charset="0"/>
+              </a:rPr>
+              <a:t>Payment Links</a:t>
+            </a:r>
+          </a:p>
+        </p:txBody>
+      </p:sp>
+      <p:pic>
+        <p:nvPicPr>
+          <p:cNvPr id="6" name="Picture 5">
+            <a:extLst>
+              <a:ext uri="{FF2B5EF4-FFF2-40B4-BE49-F238E27FC236}">
+                <a16:creationId xmlns:a16="http://schemas.microsoft.com/office/drawing/2014/main" id="{229ABE06-61DF-4703-89BB-84D8DB4E757F}"/>
+              </a:ext>
+            </a:extLst>
+          </p:cNvPr>
+          <p:cNvPicPr>
+            <a:picLocks noChangeAspect="1"/>
+          </p:cNvPicPr>
+          <p:nvPr/>
+        </p:nvPicPr>
+        <p:blipFill>
+          <a:blip r:embed="rId2"/>
+          <a:stretch>
+            <a:fillRect/>
+          </a:stretch>
+        </p:blipFill>
+        <p:spPr>
+          <a:xfrm>
+            <a:off x="6240511" y="1403823"/>
+            <a:ext cx="5646689" cy="4815238"/>
           </a:xfrm>
           <a:prstGeom prst="rect">
             <a:avLst/>
@@ -3706,9 +3984,17 @@
 </p:sld>
 </file>
 
-<file path=ppt/slides/slide3.xml><?xml version="1.0" encoding="utf-8"?>
+<file path=ppt/slides/slide4.xml><?xml version="1.0" encoding="utf-8"?>
 <p:sld xmlns:a="http://schemas.openxmlformats.org/drawingml/2006/main" xmlns:r="http://schemas.openxmlformats.org/officeDocument/2006/relationships" xmlns:p="http://schemas.openxmlformats.org/presentationml/2006/main">
   <p:cSld>
+    <p:bg>
+      <p:bgPr>
+        <a:solidFill>
+          <a:schemeClr val="tx1"/>
+        </a:solidFill>
+        <a:effectLst/>
+      </p:bgPr>
+    </p:bg>
     <p:spTree>
       <p:nvGrpSpPr>
         <p:cNvPr id="1" name=""/>
@@ -3723,12 +4009,131 @@
           <a:chExt cx="0" cy="0"/>
         </a:xfrm>
       </p:grpSpPr>
+      <p:sp>
+        <p:nvSpPr>
+          <p:cNvPr id="4" name="Oval 3">
+            <a:extLst>
+              <a:ext uri="{FF2B5EF4-FFF2-40B4-BE49-F238E27FC236}">
+                <a16:creationId xmlns:a16="http://schemas.microsoft.com/office/drawing/2014/main" id="{827CAFCA-B5FE-4FCE-8C1F-BB766C5CAEF5}"/>
+              </a:ext>
+            </a:extLst>
+          </p:cNvPr>
+          <p:cNvSpPr/>
+          <p:nvPr/>
+        </p:nvSpPr>
+        <p:spPr>
+          <a:xfrm>
+            <a:off x="968387" y="1532448"/>
+            <a:ext cx="3892359" cy="3972614"/>
+          </a:xfrm>
+          <a:prstGeom prst="ellipse">
+            <a:avLst/>
+          </a:prstGeom>
+          <a:gradFill>
+            <a:gsLst>
+              <a:gs pos="69000">
+                <a:schemeClr val="tx1"/>
+              </a:gs>
+              <a:gs pos="19000">
+                <a:schemeClr val="bg1"/>
+              </a:gs>
+            </a:gsLst>
+            <a:path path="circle">
+              <a:fillToRect r="100000" b="100000"/>
+            </a:path>
+          </a:gradFill>
+          <a:ln>
+            <a:noFill/>
+          </a:ln>
+        </p:spPr>
+        <p:style>
+          <a:lnRef idx="2">
+            <a:schemeClr val="accent1">
+              <a:shade val="50000"/>
+            </a:schemeClr>
+          </a:lnRef>
+          <a:fillRef idx="1">
+            <a:schemeClr val="accent1"/>
+          </a:fillRef>
+          <a:effectRef idx="0">
+            <a:schemeClr val="accent1"/>
+          </a:effectRef>
+          <a:fontRef idx="minor">
+            <a:schemeClr val="lt1"/>
+          </a:fontRef>
+        </p:style>
+        <p:txBody>
+          <a:bodyPr rtlCol="0" anchor="ctr"/>
+          <a:lstStyle/>
+          <a:p>
+            <a:pPr algn="ctr"/>
+            <a:endParaRPr lang="en-US"/>
+          </a:p>
+        </p:txBody>
+      </p:sp>
+      <p:sp>
+        <p:nvSpPr>
+          <p:cNvPr id="8" name="TextBox 7">
+            <a:extLst>
+              <a:ext uri="{FF2B5EF4-FFF2-40B4-BE49-F238E27FC236}">
+                <a16:creationId xmlns:a16="http://schemas.microsoft.com/office/drawing/2014/main" id="{8E5A8F8C-B456-4D28-86A7-778C60200EBB}"/>
+              </a:ext>
+            </a:extLst>
+          </p:cNvPr>
+          <p:cNvSpPr txBox="1"/>
+          <p:nvPr/>
+        </p:nvSpPr>
+        <p:spPr>
+          <a:xfrm>
+            <a:off x="2352865" y="2767280"/>
+            <a:ext cx="4603104" cy="1323439"/>
+          </a:xfrm>
+          <a:prstGeom prst="rect">
+            <a:avLst/>
+          </a:prstGeom>
+          <a:noFill/>
+        </p:spPr>
+        <p:txBody>
+          <a:bodyPr wrap="square" rtlCol="0">
+            <a:spAutoFit/>
+          </a:bodyPr>
+          <a:lstStyle/>
+          <a:p>
+            <a:r>
+              <a:rPr lang="en-US" sz="4000" dirty="0">
+                <a:solidFill>
+                  <a:schemeClr val="bg1"/>
+                </a:solidFill>
+                <a:effectLst/>
+                <a:latin typeface="Avenir Next LT Pro" panose="020B0504020202020204" pitchFamily="34" charset="0"/>
+                <a:ea typeface="Futura" panose="02020800000000000000" pitchFamily="18" charset="0"/>
+                <a:cs typeface="Futura" panose="02020800000000000000" pitchFamily="18" charset="0"/>
+              </a:rPr>
+              <a:t>Send </a:t>
+            </a:r>
+          </a:p>
+          <a:p>
+            <a:r>
+              <a:rPr lang="en-US" sz="4000" dirty="0">
+                <a:solidFill>
+                  <a:schemeClr val="bg1"/>
+                </a:solidFill>
+                <a:effectLst/>
+                <a:latin typeface="Avenir Next LT Pro" panose="020B0504020202020204" pitchFamily="34" charset="0"/>
+                <a:ea typeface="Futura" panose="02020800000000000000" pitchFamily="18" charset="0"/>
+                <a:cs typeface="Futura" panose="02020800000000000000" pitchFamily="18" charset="0"/>
+              </a:rPr>
+              <a:t>Payments</a:t>
+            </a:r>
+          </a:p>
+        </p:txBody>
+      </p:sp>
       <p:pic>
         <p:nvPicPr>
-          <p:cNvPr id="5" name="Picture 4">
-            <a:extLst>
-              <a:ext uri="{FF2B5EF4-FFF2-40B4-BE49-F238E27FC236}">
-                <a16:creationId xmlns:a16="http://schemas.microsoft.com/office/drawing/2014/main" id="{569C3742-F70F-4B8B-B152-276A85D924F2}"/>
+          <p:cNvPr id="10" name="Picture 9">
+            <a:extLst>
+              <a:ext uri="{FF2B5EF4-FFF2-40B4-BE49-F238E27FC236}">
+                <a16:creationId xmlns:a16="http://schemas.microsoft.com/office/drawing/2014/main" id="{1DFCAFFB-2A11-4D0C-8C34-AC114559BB1A}"/>
               </a:ext>
             </a:extLst>
           </p:cNvPr>
@@ -3745,8 +4150,8 @@
         </p:blipFill>
         <p:spPr>
           <a:xfrm>
-            <a:off x="0" y="0"/>
-            <a:ext cx="12192000" cy="6858000"/>
+            <a:off x="5922572" y="384081"/>
+            <a:ext cx="6031839" cy="6089838"/>
           </a:xfrm>
           <a:prstGeom prst="rect">
             <a:avLst/>
